--- a/99.ppt/[Ch4-9. 과정 마무리.pptx
+++ b/99.ppt/[Ch4-9. 과정 마무리.pptx
@@ -5,11 +5,12 @@
     <p:sldMasterId id="2147483665" r:id="rId1"/>
   </p:sldMasterIdLst>
   <p:notesMasterIdLst>
-    <p:notesMasterId r:id="rId4"/>
+    <p:notesMasterId r:id="rId5"/>
   </p:notesMasterIdLst>
   <p:sldIdLst>
     <p:sldId id="364" r:id="rId2"/>
     <p:sldId id="332" r:id="rId3"/>
+    <p:sldId id="365" r:id="rId4"/>
   </p:sldIdLst>
   <p:sldSz cx="9144000" cy="5143500" type="screen16x9"/>
   <p:notesSz cx="6858000" cy="9144000"/>
@@ -212,7 +213,7 @@
           <a:p>
             <a:fld id="{9B770909-2C76-4DF9-BB76-4EE283593418}" type="datetimeFigureOut">
               <a:rPr lang="ko-KR" altLang="en-US" smtClean="0"/>
-              <a:t>2023-10-31</a:t>
+              <a:t>2023-11-01</a:t>
             </a:fld>
             <a:endParaRPr lang="ko-KR" altLang="en-US"/>
           </a:p>
@@ -655,6 +656,107 @@
     <p:extLst>
       <p:ext uri="{BB962C8B-B14F-4D97-AF65-F5344CB8AC3E}">
         <p14:creationId xmlns:p14="http://schemas.microsoft.com/office/powerpoint/2010/main" val="642389407"/>
+      </p:ext>
+    </p:extLst>
+  </p:cSld>
+  <p:clrMapOvr>
+    <a:masterClrMapping/>
+  </p:clrMapOvr>
+</p:notes>
+</file>
+
+<file path=ppt/notesSlides/notesSlide3.xml><?xml version="1.0" encoding="utf-8"?>
+<p:notes xmlns:a="http://schemas.openxmlformats.org/drawingml/2006/main" xmlns:r="http://schemas.openxmlformats.org/officeDocument/2006/relationships" xmlns:p="http://schemas.openxmlformats.org/presentationml/2006/main">
+  <p:cSld>
+    <p:spTree>
+      <p:nvGrpSpPr>
+        <p:cNvPr id="1" name=""/>
+        <p:cNvGrpSpPr/>
+        <p:nvPr/>
+      </p:nvGrpSpPr>
+      <p:grpSpPr>
+        <a:xfrm>
+          <a:off x="0" y="0"/>
+          <a:ext cx="0" cy="0"/>
+          <a:chOff x="0" y="0"/>
+          <a:chExt cx="0" cy="0"/>
+        </a:xfrm>
+      </p:grpSpPr>
+      <p:sp>
+        <p:nvSpPr>
+          <p:cNvPr id="2" name="슬라이드 이미지 개체 틀 1"/>
+          <p:cNvSpPr>
+            <a:spLocks noGrp="1" noRot="1" noChangeAspect="1"/>
+          </p:cNvSpPr>
+          <p:nvPr>
+            <p:ph type="sldImg"/>
+          </p:nvPr>
+        </p:nvSpPr>
+        <p:spPr/>
+      </p:sp>
+      <p:sp>
+        <p:nvSpPr>
+          <p:cNvPr id="3" name="슬라이드 노트 개체 틀 2"/>
+          <p:cNvSpPr>
+            <a:spLocks noGrp="1"/>
+          </p:cNvSpPr>
+          <p:nvPr>
+            <p:ph type="body" idx="1"/>
+          </p:nvPr>
+        </p:nvSpPr>
+        <p:spPr/>
+        <p:txBody>
+          <a:bodyPr/>
+          <a:lstStyle/>
+          <a:p>
+            <a:pPr marL="0" marR="0" lvl="0" indent="0" algn="l" defTabSz="685800" rtl="0" eaLnBrk="1" fontAlgn="auto" latinLnBrk="1" hangingPunct="1">
+              <a:lnSpc>
+                <a:spcPct val="100000"/>
+              </a:lnSpc>
+              <a:spcBef>
+                <a:spcPts val="0"/>
+              </a:spcBef>
+              <a:spcAft>
+                <a:spcPts val="0"/>
+              </a:spcAft>
+              <a:buClrTx/>
+              <a:buSzTx/>
+              <a:buFontTx/>
+              <a:buNone/>
+              <a:tabLst/>
+              <a:defRPr/>
+            </a:pPr>
+            <a:endParaRPr lang="en-US" altLang="ko-KR" dirty="0"/>
+          </a:p>
+        </p:txBody>
+      </p:sp>
+      <p:sp>
+        <p:nvSpPr>
+          <p:cNvPr id="4" name="슬라이드 번호 개체 틀 3"/>
+          <p:cNvSpPr>
+            <a:spLocks noGrp="1"/>
+          </p:cNvSpPr>
+          <p:nvPr>
+            <p:ph type="sldNum" sz="quarter" idx="5"/>
+          </p:nvPr>
+        </p:nvSpPr>
+        <p:spPr/>
+        <p:txBody>
+          <a:bodyPr/>
+          <a:lstStyle/>
+          <a:p>
+            <a:fld id="{4F243B46-72FF-4656-838A-691B9EB329E3}" type="slidenum">
+              <a:rPr lang="ko-KR" altLang="en-US" smtClean="0"/>
+              <a:t>3</a:t>
+            </a:fld>
+            <a:endParaRPr lang="ko-KR" altLang="en-US"/>
+          </a:p>
+        </p:txBody>
+      </p:sp>
+    </p:spTree>
+    <p:extLst>
+      <p:ext uri="{BB962C8B-B14F-4D97-AF65-F5344CB8AC3E}">
+        <p14:creationId xmlns:p14="http://schemas.microsoft.com/office/powerpoint/2010/main" val="703542742"/>
       </p:ext>
     </p:extLst>
   </p:cSld>
@@ -2903,9 +3005,80 @@
           <a:lstStyle/>
           <a:p>
             <a:r>
-              <a:rPr lang="ko-KR" altLang="en-US" dirty="0"/>
-              <a:t>회고</a:t>
-            </a:r>
+              <a:rPr lang="ko-KR" altLang="en-US" dirty="0" err="1"/>
+              <a:t>렙업</a:t>
+            </a:r>
+            <a:endParaRPr lang="ko-KR" altLang="en-US" dirty="0"/>
+          </a:p>
+        </p:txBody>
+      </p:sp>
+      <p:sp>
+        <p:nvSpPr>
+          <p:cNvPr id="3" name="내용 개체 틀 2">
+            <a:extLst>
+              <a:ext uri="{FF2B5EF4-FFF2-40B4-BE49-F238E27FC236}">
+                <a16:creationId xmlns:a16="http://schemas.microsoft.com/office/drawing/2014/main" id="{11DB01B0-611F-A626-4B04-A857584C2D45}"/>
+              </a:ext>
+            </a:extLst>
+          </p:cNvPr>
+          <p:cNvSpPr>
+            <a:spLocks noGrp="1"/>
+          </p:cNvSpPr>
+          <p:nvPr>
+            <p:ph idx="1"/>
+          </p:nvPr>
+        </p:nvSpPr>
+        <p:spPr/>
+        <p:txBody>
+          <a:bodyPr>
+            <a:normAutofit/>
+          </a:bodyPr>
+          <a:lstStyle/>
+          <a:p>
+            <a:pPr marL="355600" indent="-355600">
+              <a:buAutoNum type="arabicPeriod"/>
+            </a:pPr>
+            <a:r>
+              <a:rPr lang="en-US" altLang="ko-KR" sz="1800" dirty="0" err="1"/>
+              <a:t>Webflux</a:t>
+            </a:r>
+            <a:endParaRPr lang="en-US" altLang="ko-KR" sz="1800" dirty="0"/>
+          </a:p>
+          <a:p>
+            <a:pPr marL="355600" indent="-355600">
+              <a:buAutoNum type="arabicPeriod"/>
+            </a:pPr>
+            <a:r>
+              <a:rPr lang="ko-KR" altLang="en-US" sz="1800" dirty="0"/>
+              <a:t>실무형 심화기능 개발</a:t>
+            </a:r>
+            <a:endParaRPr lang="en-US" altLang="ko-KR" sz="1800" dirty="0"/>
+          </a:p>
+          <a:p>
+            <a:pPr marL="355600" indent="-355600">
+              <a:buAutoNum type="arabicPeriod"/>
+            </a:pPr>
+            <a:r>
+              <a:rPr lang="ko-KR" altLang="en-US" sz="1800" dirty="0"/>
+              <a:t>결제서비스</a:t>
+            </a:r>
+            <a:endParaRPr lang="en-US" altLang="ko-KR" sz="1800" dirty="0"/>
+          </a:p>
+          <a:p>
+            <a:pPr marL="355600" indent="-355600">
+              <a:buAutoNum type="arabicPeriod"/>
+            </a:pPr>
+            <a:r>
+              <a:rPr lang="ko-KR" altLang="en-US" sz="1800" dirty="0"/>
+              <a:t>기능개선</a:t>
+            </a:r>
+            <a:endParaRPr lang="en-US" altLang="ko-KR" sz="1800" dirty="0"/>
+          </a:p>
+          <a:p>
+            <a:pPr marL="355600" indent="-355600">
+              <a:buAutoNum type="arabicPeriod"/>
+            </a:pPr>
+            <a:endParaRPr lang="ko-KR" altLang="en-US" sz="1800" dirty="0"/>
           </a:p>
         </p:txBody>
       </p:sp>
@@ -3034,7 +3207,7 @@
                   <a:schemeClr val="bg1"/>
                 </a:solidFill>
               </a:rPr>
-              <a:t>회고</a:t>
+              <a:t>과정 마무리</a:t>
             </a:r>
           </a:p>
         </p:txBody>
@@ -3049,6 +3222,656 @@
   <p:clrMapOvr>
     <a:masterClrMapping/>
   </p:clrMapOvr>
+  <p:timing>
+    <p:tnLst>
+      <p:par>
+        <p:cTn id="1" dur="indefinite" restart="never" nodeType="tmRoot">
+          <p:childTnLst>
+            <p:seq concurrent="1" nextAc="seek">
+              <p:cTn id="2" dur="indefinite" nodeType="mainSeq">
+                <p:childTnLst>
+                  <p:par>
+                    <p:cTn id="3" fill="hold">
+                      <p:stCondLst>
+                        <p:cond delay="indefinite"/>
+                      </p:stCondLst>
+                      <p:childTnLst>
+                        <p:par>
+                          <p:cTn id="4" fill="hold">
+                            <p:stCondLst>
+                              <p:cond delay="0"/>
+                            </p:stCondLst>
+                            <p:childTnLst>
+                              <p:par>
+                                <p:cTn id="5" presetID="1" presetClass="entr" presetSubtype="0" fill="hold" nodeType="clickEffect">
+                                  <p:stCondLst>
+                                    <p:cond delay="0"/>
+                                  </p:stCondLst>
+                                  <p:childTnLst>
+                                    <p:set>
+                                      <p:cBhvr>
+                                        <p:cTn id="6" dur="1" fill="hold">
+                                          <p:stCondLst>
+                                            <p:cond delay="0"/>
+                                          </p:stCondLst>
+                                        </p:cTn>
+                                        <p:tgtEl>
+                                          <p:spTgt spid="3">
+                                            <p:txEl>
+                                              <p:pRg st="0" end="0"/>
+                                            </p:txEl>
+                                          </p:spTgt>
+                                        </p:tgtEl>
+                                        <p:attrNameLst>
+                                          <p:attrName>style.visibility</p:attrName>
+                                        </p:attrNameLst>
+                                      </p:cBhvr>
+                                      <p:to>
+                                        <p:strVal val="visible"/>
+                                      </p:to>
+                                    </p:set>
+                                  </p:childTnLst>
+                                </p:cTn>
+                              </p:par>
+                            </p:childTnLst>
+                          </p:cTn>
+                        </p:par>
+                      </p:childTnLst>
+                    </p:cTn>
+                  </p:par>
+                  <p:par>
+                    <p:cTn id="7" fill="hold">
+                      <p:stCondLst>
+                        <p:cond delay="indefinite"/>
+                      </p:stCondLst>
+                      <p:childTnLst>
+                        <p:par>
+                          <p:cTn id="8" fill="hold">
+                            <p:stCondLst>
+                              <p:cond delay="0"/>
+                            </p:stCondLst>
+                            <p:childTnLst>
+                              <p:par>
+                                <p:cTn id="9" presetID="1" presetClass="entr" presetSubtype="0" fill="hold" nodeType="clickEffect">
+                                  <p:stCondLst>
+                                    <p:cond delay="0"/>
+                                  </p:stCondLst>
+                                  <p:childTnLst>
+                                    <p:set>
+                                      <p:cBhvr>
+                                        <p:cTn id="10" dur="1" fill="hold">
+                                          <p:stCondLst>
+                                            <p:cond delay="0"/>
+                                          </p:stCondLst>
+                                        </p:cTn>
+                                        <p:tgtEl>
+                                          <p:spTgt spid="3">
+                                            <p:txEl>
+                                              <p:pRg st="1" end="1"/>
+                                            </p:txEl>
+                                          </p:spTgt>
+                                        </p:tgtEl>
+                                        <p:attrNameLst>
+                                          <p:attrName>style.visibility</p:attrName>
+                                        </p:attrNameLst>
+                                      </p:cBhvr>
+                                      <p:to>
+                                        <p:strVal val="visible"/>
+                                      </p:to>
+                                    </p:set>
+                                  </p:childTnLst>
+                                </p:cTn>
+                              </p:par>
+                            </p:childTnLst>
+                          </p:cTn>
+                        </p:par>
+                      </p:childTnLst>
+                    </p:cTn>
+                  </p:par>
+                  <p:par>
+                    <p:cTn id="11" fill="hold">
+                      <p:stCondLst>
+                        <p:cond delay="indefinite"/>
+                      </p:stCondLst>
+                      <p:childTnLst>
+                        <p:par>
+                          <p:cTn id="12" fill="hold">
+                            <p:stCondLst>
+                              <p:cond delay="0"/>
+                            </p:stCondLst>
+                            <p:childTnLst>
+                              <p:par>
+                                <p:cTn id="13" presetID="1" presetClass="entr" presetSubtype="0" fill="hold" nodeType="clickEffect">
+                                  <p:stCondLst>
+                                    <p:cond delay="0"/>
+                                  </p:stCondLst>
+                                  <p:childTnLst>
+                                    <p:set>
+                                      <p:cBhvr>
+                                        <p:cTn id="14" dur="1" fill="hold">
+                                          <p:stCondLst>
+                                            <p:cond delay="0"/>
+                                          </p:stCondLst>
+                                        </p:cTn>
+                                        <p:tgtEl>
+                                          <p:spTgt spid="3">
+                                            <p:txEl>
+                                              <p:pRg st="2" end="2"/>
+                                            </p:txEl>
+                                          </p:spTgt>
+                                        </p:tgtEl>
+                                        <p:attrNameLst>
+                                          <p:attrName>style.visibility</p:attrName>
+                                        </p:attrNameLst>
+                                      </p:cBhvr>
+                                      <p:to>
+                                        <p:strVal val="visible"/>
+                                      </p:to>
+                                    </p:set>
+                                  </p:childTnLst>
+                                </p:cTn>
+                              </p:par>
+                            </p:childTnLst>
+                          </p:cTn>
+                        </p:par>
+                      </p:childTnLst>
+                    </p:cTn>
+                  </p:par>
+                  <p:par>
+                    <p:cTn id="15" fill="hold">
+                      <p:stCondLst>
+                        <p:cond delay="indefinite"/>
+                      </p:stCondLst>
+                      <p:childTnLst>
+                        <p:par>
+                          <p:cTn id="16" fill="hold">
+                            <p:stCondLst>
+                              <p:cond delay="0"/>
+                            </p:stCondLst>
+                            <p:childTnLst>
+                              <p:par>
+                                <p:cTn id="17" presetID="1" presetClass="entr" presetSubtype="0" fill="hold" nodeType="clickEffect">
+                                  <p:stCondLst>
+                                    <p:cond delay="0"/>
+                                  </p:stCondLst>
+                                  <p:childTnLst>
+                                    <p:set>
+                                      <p:cBhvr>
+                                        <p:cTn id="18" dur="1" fill="hold">
+                                          <p:stCondLst>
+                                            <p:cond delay="0"/>
+                                          </p:stCondLst>
+                                        </p:cTn>
+                                        <p:tgtEl>
+                                          <p:spTgt spid="3">
+                                            <p:txEl>
+                                              <p:pRg st="3" end="3"/>
+                                            </p:txEl>
+                                          </p:spTgt>
+                                        </p:tgtEl>
+                                        <p:attrNameLst>
+                                          <p:attrName>style.visibility</p:attrName>
+                                        </p:attrNameLst>
+                                      </p:cBhvr>
+                                      <p:to>
+                                        <p:strVal val="visible"/>
+                                      </p:to>
+                                    </p:set>
+                                  </p:childTnLst>
+                                </p:cTn>
+                              </p:par>
+                            </p:childTnLst>
+                          </p:cTn>
+                        </p:par>
+                      </p:childTnLst>
+                    </p:cTn>
+                  </p:par>
+                </p:childTnLst>
+              </p:cTn>
+              <p:prevCondLst>
+                <p:cond evt="onPrev" delay="0">
+                  <p:tgtEl>
+                    <p:sldTgt/>
+                  </p:tgtEl>
+                </p:cond>
+              </p:prevCondLst>
+              <p:nextCondLst>
+                <p:cond evt="onNext" delay="0">
+                  <p:tgtEl>
+                    <p:sldTgt/>
+                  </p:tgtEl>
+                </p:cond>
+              </p:nextCondLst>
+            </p:seq>
+          </p:childTnLst>
+        </p:cTn>
+      </p:par>
+    </p:tnLst>
+  </p:timing>
+</p:sld>
+</file>
+
+<file path=ppt/slides/slide3.xml><?xml version="1.0" encoding="utf-8"?>
+<p:sld xmlns:a="http://schemas.openxmlformats.org/drawingml/2006/main" xmlns:r="http://schemas.openxmlformats.org/officeDocument/2006/relationships" xmlns:p="http://schemas.openxmlformats.org/presentationml/2006/main">
+  <p:cSld>
+    <p:spTree>
+      <p:nvGrpSpPr>
+        <p:cNvPr id="1" name=""/>
+        <p:cNvGrpSpPr/>
+        <p:nvPr/>
+      </p:nvGrpSpPr>
+      <p:grpSpPr>
+        <a:xfrm>
+          <a:off x="0" y="0"/>
+          <a:ext cx="0" cy="0"/>
+          <a:chOff x="0" y="0"/>
+          <a:chExt cx="0" cy="0"/>
+        </a:xfrm>
+      </p:grpSpPr>
+      <p:sp>
+        <p:nvSpPr>
+          <p:cNvPr id="2" name="제목 1">
+            <a:extLst>
+              <a:ext uri="{FF2B5EF4-FFF2-40B4-BE49-F238E27FC236}">
+                <a16:creationId xmlns:a16="http://schemas.microsoft.com/office/drawing/2014/main" id="{D21C1AA9-5E52-3A11-B3B3-447787E29D09}"/>
+              </a:ext>
+            </a:extLst>
+          </p:cNvPr>
+          <p:cNvSpPr>
+            <a:spLocks noGrp="1"/>
+          </p:cNvSpPr>
+          <p:nvPr>
+            <p:ph type="title"/>
+          </p:nvPr>
+        </p:nvSpPr>
+        <p:spPr/>
+        <p:txBody>
+          <a:bodyPr/>
+          <a:lstStyle/>
+          <a:p>
+            <a:r>
+              <a:rPr lang="ko-KR" altLang="en-US" dirty="0"/>
+              <a:t>회고</a:t>
+            </a:r>
+          </a:p>
+        </p:txBody>
+      </p:sp>
+      <p:sp>
+        <p:nvSpPr>
+          <p:cNvPr id="3" name="내용 개체 틀 2">
+            <a:extLst>
+              <a:ext uri="{FF2B5EF4-FFF2-40B4-BE49-F238E27FC236}">
+                <a16:creationId xmlns:a16="http://schemas.microsoft.com/office/drawing/2014/main" id="{11DB01B0-611F-A626-4B04-A857584C2D45}"/>
+              </a:ext>
+            </a:extLst>
+          </p:cNvPr>
+          <p:cNvSpPr>
+            <a:spLocks noGrp="1"/>
+          </p:cNvSpPr>
+          <p:nvPr>
+            <p:ph idx="1"/>
+          </p:nvPr>
+        </p:nvSpPr>
+        <p:spPr/>
+        <p:txBody>
+          <a:bodyPr>
+            <a:normAutofit/>
+          </a:bodyPr>
+          <a:lstStyle/>
+          <a:p>
+            <a:pPr marL="355600" indent="-355600">
+              <a:buAutoNum type="arabicPeriod"/>
+            </a:pPr>
+            <a:r>
+              <a:rPr lang="en-US" altLang="ko-KR" sz="1800" dirty="0" err="1"/>
+              <a:t>Webflux</a:t>
+            </a:r>
+            <a:r>
+              <a:rPr lang="ko-KR" altLang="en-US" sz="1800" dirty="0"/>
+              <a:t> </a:t>
+            </a:r>
+            <a:r>
+              <a:rPr lang="en-US" altLang="ko-KR" sz="1800" dirty="0"/>
+              <a:t>?</a:t>
+            </a:r>
+          </a:p>
+          <a:p>
+            <a:pPr marL="355600" indent="-355600">
+              <a:buAutoNum type="arabicPeriod"/>
+            </a:pPr>
+            <a:r>
+              <a:rPr lang="en-US" altLang="ko-KR" sz="1800" dirty="0"/>
+              <a:t>R2DBC ?</a:t>
+            </a:r>
+          </a:p>
+          <a:p>
+            <a:pPr marL="355600" indent="-355600">
+              <a:buAutoNum type="arabicPeriod"/>
+            </a:pPr>
+            <a:r>
+              <a:rPr lang="en-US" altLang="ko-KR" sz="1800" dirty="0"/>
+              <a:t>Virtual Thread ?</a:t>
+            </a:r>
+          </a:p>
+        </p:txBody>
+      </p:sp>
+      <p:sp>
+        <p:nvSpPr>
+          <p:cNvPr id="7" name="Google Shape;209;p30">
+            <a:extLst>
+              <a:ext uri="{FF2B5EF4-FFF2-40B4-BE49-F238E27FC236}">
+                <a16:creationId xmlns:a16="http://schemas.microsoft.com/office/drawing/2014/main" id="{35F3E219-4EBB-8DE8-0966-E4317399395E}"/>
+              </a:ext>
+            </a:extLst>
+          </p:cNvPr>
+          <p:cNvSpPr/>
+          <p:nvPr/>
+        </p:nvSpPr>
+        <p:spPr>
+          <a:xfrm>
+            <a:off x="7811013" y="528014"/>
+            <a:ext cx="952500" cy="298200"/>
+          </a:xfrm>
+          <a:prstGeom prst="rect">
+            <a:avLst/>
+          </a:prstGeom>
+          <a:noFill/>
+          <a:ln>
+            <a:noFill/>
+          </a:ln>
+        </p:spPr>
+        <p:txBody>
+          <a:bodyPr spcFirstLastPara="1" wrap="square" lIns="19050" tIns="19050" rIns="19050" bIns="19050" anchor="t" anchorCtr="0">
+            <a:noAutofit/>
+          </a:bodyPr>
+          <a:lstStyle/>
+          <a:p>
+            <a:pPr marL="63500" marR="0" lvl="1" indent="0" algn="l" rtl="0">
+              <a:lnSpc>
+                <a:spcPct val="90000"/>
+              </a:lnSpc>
+              <a:spcBef>
+                <a:spcPts val="0"/>
+              </a:spcBef>
+              <a:spcAft>
+                <a:spcPts val="0"/>
+              </a:spcAft>
+              <a:buNone/>
+            </a:pPr>
+            <a:r>
+              <a:rPr lang="en-US" altLang="ko" sz="1200" b="1" dirty="0">
+                <a:solidFill>
+                  <a:schemeClr val="bg1"/>
+                </a:solidFill>
+                <a:latin typeface="Arial"/>
+                <a:ea typeface="Arial"/>
+                <a:cs typeface="Arial"/>
+                <a:sym typeface="Arial"/>
+              </a:rPr>
+              <a:t>1</a:t>
+            </a:r>
+            <a:r>
+              <a:rPr lang="ko" sz="1200" b="1" i="0" u="none" strike="noStrike" cap="none" dirty="0">
+                <a:solidFill>
+                  <a:schemeClr val="bg1"/>
+                </a:solidFill>
+                <a:latin typeface="Arial"/>
+                <a:ea typeface="Arial"/>
+                <a:cs typeface="Arial"/>
+                <a:sym typeface="Arial"/>
+              </a:rPr>
+              <a:t>.</a:t>
+            </a:r>
+            <a:endParaRPr sz="500" dirty="0">
+              <a:solidFill>
+                <a:schemeClr val="bg1"/>
+              </a:solidFill>
+            </a:endParaRPr>
+          </a:p>
+        </p:txBody>
+      </p:sp>
+      <p:sp>
+        <p:nvSpPr>
+          <p:cNvPr id="8" name="Google Shape;210;p30">
+            <a:extLst>
+              <a:ext uri="{FF2B5EF4-FFF2-40B4-BE49-F238E27FC236}">
+                <a16:creationId xmlns:a16="http://schemas.microsoft.com/office/drawing/2014/main" id="{8CB63A74-B5C7-DCAA-53F5-96E44004D694}"/>
+              </a:ext>
+            </a:extLst>
+          </p:cNvPr>
+          <p:cNvSpPr/>
+          <p:nvPr/>
+        </p:nvSpPr>
+        <p:spPr>
+          <a:xfrm>
+            <a:off x="7811013" y="825047"/>
+            <a:ext cx="952500" cy="293400"/>
+          </a:xfrm>
+          <a:prstGeom prst="rect">
+            <a:avLst/>
+          </a:prstGeom>
+          <a:noFill/>
+          <a:ln>
+            <a:noFill/>
+          </a:ln>
+        </p:spPr>
+        <p:txBody>
+          <a:bodyPr spcFirstLastPara="1" wrap="square" lIns="19050" tIns="19050" rIns="19050" bIns="19050" anchor="t" anchorCtr="0">
+            <a:noAutofit/>
+          </a:bodyPr>
+          <a:lstStyle/>
+          <a:p>
+            <a:pPr marL="63500" marR="0" lvl="1" indent="0" algn="l" rtl="0">
+              <a:spcBef>
+                <a:spcPts val="200"/>
+              </a:spcBef>
+              <a:spcAft>
+                <a:spcPts val="0"/>
+              </a:spcAft>
+              <a:buClr>
+                <a:srgbClr val="000000"/>
+              </a:buClr>
+              <a:buFont typeface="Arial"/>
+              <a:buNone/>
+            </a:pPr>
+            <a:r>
+              <a:rPr lang="ko-KR" altLang="en-US" sz="800" dirty="0">
+                <a:solidFill>
+                  <a:schemeClr val="bg1"/>
+                </a:solidFill>
+              </a:rPr>
+              <a:t>과정 마무리</a:t>
+            </a:r>
+          </a:p>
+        </p:txBody>
+      </p:sp>
+    </p:spTree>
+    <p:extLst>
+      <p:ext uri="{BB962C8B-B14F-4D97-AF65-F5344CB8AC3E}">
+        <p14:creationId xmlns:p14="http://schemas.microsoft.com/office/powerpoint/2010/main" val="4151359699"/>
+      </p:ext>
+    </p:extLst>
+  </p:cSld>
+  <p:clrMapOvr>
+    <a:masterClrMapping/>
+  </p:clrMapOvr>
+  <p:timing>
+    <p:tnLst>
+      <p:par>
+        <p:cTn id="1" dur="indefinite" restart="never" nodeType="tmRoot">
+          <p:childTnLst>
+            <p:seq concurrent="1" nextAc="seek">
+              <p:cTn id="2" dur="indefinite" nodeType="mainSeq">
+                <p:childTnLst>
+                  <p:par>
+                    <p:cTn id="3" fill="hold">
+                      <p:stCondLst>
+                        <p:cond delay="indefinite"/>
+                      </p:stCondLst>
+                      <p:childTnLst>
+                        <p:par>
+                          <p:cTn id="4" fill="hold">
+                            <p:stCondLst>
+                              <p:cond delay="0"/>
+                            </p:stCondLst>
+                            <p:childTnLst>
+                              <p:par>
+                                <p:cTn id="5" presetID="1" presetClass="entr" presetSubtype="0" fill="hold" nodeType="clickEffect">
+                                  <p:stCondLst>
+                                    <p:cond delay="0"/>
+                                  </p:stCondLst>
+                                  <p:childTnLst>
+                                    <p:set>
+                                      <p:cBhvr>
+                                        <p:cTn id="6" dur="1" fill="hold">
+                                          <p:stCondLst>
+                                            <p:cond delay="0"/>
+                                          </p:stCondLst>
+                                        </p:cTn>
+                                        <p:tgtEl>
+                                          <p:spTgt spid="3">
+                                            <p:txEl>
+                                              <p:pRg st="0" end="0"/>
+                                            </p:txEl>
+                                          </p:spTgt>
+                                        </p:tgtEl>
+                                        <p:attrNameLst>
+                                          <p:attrName>style.visibility</p:attrName>
+                                        </p:attrNameLst>
+                                      </p:cBhvr>
+                                      <p:to>
+                                        <p:strVal val="visible"/>
+                                      </p:to>
+                                    </p:set>
+                                  </p:childTnLst>
+                                </p:cTn>
+                              </p:par>
+                            </p:childTnLst>
+                          </p:cTn>
+                        </p:par>
+                      </p:childTnLst>
+                    </p:cTn>
+                  </p:par>
+                  <p:par>
+                    <p:cTn id="7" fill="hold">
+                      <p:stCondLst>
+                        <p:cond delay="indefinite"/>
+                      </p:stCondLst>
+                      <p:childTnLst>
+                        <p:par>
+                          <p:cTn id="8" fill="hold">
+                            <p:stCondLst>
+                              <p:cond delay="0"/>
+                            </p:stCondLst>
+                            <p:childTnLst>
+                              <p:par>
+                                <p:cTn id="9" presetID="1" presetClass="entr" presetSubtype="0" fill="hold" nodeType="clickEffect">
+                                  <p:stCondLst>
+                                    <p:cond delay="0"/>
+                                  </p:stCondLst>
+                                  <p:childTnLst>
+                                    <p:set>
+                                      <p:cBhvr>
+                                        <p:cTn id="10" dur="1" fill="hold">
+                                          <p:stCondLst>
+                                            <p:cond delay="0"/>
+                                          </p:stCondLst>
+                                        </p:cTn>
+                                        <p:tgtEl>
+                                          <p:spTgt spid="3">
+                                            <p:txEl>
+                                              <p:pRg st="1" end="1"/>
+                                            </p:txEl>
+                                          </p:spTgt>
+                                        </p:tgtEl>
+                                        <p:attrNameLst>
+                                          <p:attrName>style.visibility</p:attrName>
+                                        </p:attrNameLst>
+                                      </p:cBhvr>
+                                      <p:to>
+                                        <p:strVal val="visible"/>
+                                      </p:to>
+                                    </p:set>
+                                  </p:childTnLst>
+                                </p:cTn>
+                              </p:par>
+                            </p:childTnLst>
+                          </p:cTn>
+                        </p:par>
+                      </p:childTnLst>
+                    </p:cTn>
+                  </p:par>
+                  <p:par>
+                    <p:cTn id="11" fill="hold">
+                      <p:stCondLst>
+                        <p:cond delay="indefinite"/>
+                      </p:stCondLst>
+                      <p:childTnLst>
+                        <p:par>
+                          <p:cTn id="12" fill="hold">
+                            <p:stCondLst>
+                              <p:cond delay="0"/>
+                            </p:stCondLst>
+                            <p:childTnLst>
+                              <p:par>
+                                <p:cTn id="13" presetID="1" presetClass="entr" presetSubtype="0" fill="hold" nodeType="clickEffect">
+                                  <p:stCondLst>
+                                    <p:cond delay="0"/>
+                                  </p:stCondLst>
+                                  <p:childTnLst>
+                                    <p:set>
+                                      <p:cBhvr>
+                                        <p:cTn id="14" dur="1" fill="hold">
+                                          <p:stCondLst>
+                                            <p:cond delay="0"/>
+                                          </p:stCondLst>
+                                        </p:cTn>
+                                        <p:tgtEl>
+                                          <p:spTgt spid="3">
+                                            <p:txEl>
+                                              <p:pRg st="2" end="2"/>
+                                            </p:txEl>
+                                          </p:spTgt>
+                                        </p:tgtEl>
+                                        <p:attrNameLst>
+                                          <p:attrName>style.visibility</p:attrName>
+                                        </p:attrNameLst>
+                                      </p:cBhvr>
+                                      <p:to>
+                                        <p:strVal val="visible"/>
+                                      </p:to>
+                                    </p:set>
+                                  </p:childTnLst>
+                                </p:cTn>
+                              </p:par>
+                            </p:childTnLst>
+                          </p:cTn>
+                        </p:par>
+                      </p:childTnLst>
+                    </p:cTn>
+                  </p:par>
+                </p:childTnLst>
+              </p:cTn>
+              <p:prevCondLst>
+                <p:cond evt="onPrev" delay="0">
+                  <p:tgtEl>
+                    <p:sldTgt/>
+                  </p:tgtEl>
+                </p:cond>
+              </p:prevCondLst>
+              <p:nextCondLst>
+                <p:cond evt="onNext" delay="0">
+                  <p:tgtEl>
+                    <p:sldTgt/>
+                  </p:tgtEl>
+                </p:cond>
+              </p:nextCondLst>
+            </p:seq>
+          </p:childTnLst>
+        </p:cTn>
+      </p:par>
+    </p:tnLst>
+  </p:timing>
 </p:sld>
 </file>
 

--- a/99.ppt/[Ch4-9. 과정 마무리.pptx
+++ b/99.ppt/[Ch4-9. 과정 마무리.pptx
@@ -5,12 +5,13 @@
     <p:sldMasterId id="2147483665" r:id="rId1"/>
   </p:sldMasterIdLst>
   <p:notesMasterIdLst>
-    <p:notesMasterId r:id="rId5"/>
+    <p:notesMasterId r:id="rId6"/>
   </p:notesMasterIdLst>
   <p:sldIdLst>
     <p:sldId id="364" r:id="rId2"/>
     <p:sldId id="332" r:id="rId3"/>
     <p:sldId id="365" r:id="rId4"/>
+    <p:sldId id="366" r:id="rId5"/>
   </p:sldIdLst>
   <p:sldSz cx="9144000" cy="5143500" type="screen16x9"/>
   <p:notesSz cx="6858000" cy="9144000"/>
@@ -213,7 +214,7 @@
           <a:p>
             <a:fld id="{9B770909-2C76-4DF9-BB76-4EE283593418}" type="datetimeFigureOut">
               <a:rPr lang="ko-KR" altLang="en-US" smtClean="0"/>
-              <a:t>2023-11-01</a:t>
+              <a:t>2023-11-02</a:t>
             </a:fld>
             <a:endParaRPr lang="ko-KR" altLang="en-US"/>
           </a:p>
@@ -757,6 +758,107 @@
     <p:extLst>
       <p:ext uri="{BB962C8B-B14F-4D97-AF65-F5344CB8AC3E}">
         <p14:creationId xmlns:p14="http://schemas.microsoft.com/office/powerpoint/2010/main" val="703542742"/>
+      </p:ext>
+    </p:extLst>
+  </p:cSld>
+  <p:clrMapOvr>
+    <a:masterClrMapping/>
+  </p:clrMapOvr>
+</p:notes>
+</file>
+
+<file path=ppt/notesSlides/notesSlide4.xml><?xml version="1.0" encoding="utf-8"?>
+<p:notes xmlns:a="http://schemas.openxmlformats.org/drawingml/2006/main" xmlns:r="http://schemas.openxmlformats.org/officeDocument/2006/relationships" xmlns:p="http://schemas.openxmlformats.org/presentationml/2006/main">
+  <p:cSld>
+    <p:spTree>
+      <p:nvGrpSpPr>
+        <p:cNvPr id="1" name=""/>
+        <p:cNvGrpSpPr/>
+        <p:nvPr/>
+      </p:nvGrpSpPr>
+      <p:grpSpPr>
+        <a:xfrm>
+          <a:off x="0" y="0"/>
+          <a:ext cx="0" cy="0"/>
+          <a:chOff x="0" y="0"/>
+          <a:chExt cx="0" cy="0"/>
+        </a:xfrm>
+      </p:grpSpPr>
+      <p:sp>
+        <p:nvSpPr>
+          <p:cNvPr id="2" name="슬라이드 이미지 개체 틀 1"/>
+          <p:cNvSpPr>
+            <a:spLocks noGrp="1" noRot="1" noChangeAspect="1"/>
+          </p:cNvSpPr>
+          <p:nvPr>
+            <p:ph type="sldImg"/>
+          </p:nvPr>
+        </p:nvSpPr>
+        <p:spPr/>
+      </p:sp>
+      <p:sp>
+        <p:nvSpPr>
+          <p:cNvPr id="3" name="슬라이드 노트 개체 틀 2"/>
+          <p:cNvSpPr>
+            <a:spLocks noGrp="1"/>
+          </p:cNvSpPr>
+          <p:nvPr>
+            <p:ph type="body" idx="1"/>
+          </p:nvPr>
+        </p:nvSpPr>
+        <p:spPr/>
+        <p:txBody>
+          <a:bodyPr/>
+          <a:lstStyle/>
+          <a:p>
+            <a:pPr marL="0" marR="0" lvl="0" indent="0" algn="l" defTabSz="685800" rtl="0" eaLnBrk="1" fontAlgn="auto" latinLnBrk="1" hangingPunct="1">
+              <a:lnSpc>
+                <a:spcPct val="100000"/>
+              </a:lnSpc>
+              <a:spcBef>
+                <a:spcPts val="0"/>
+              </a:spcBef>
+              <a:spcAft>
+                <a:spcPts val="0"/>
+              </a:spcAft>
+              <a:buClrTx/>
+              <a:buSzTx/>
+              <a:buFontTx/>
+              <a:buNone/>
+              <a:tabLst/>
+              <a:defRPr/>
+            </a:pPr>
+            <a:endParaRPr lang="en-US" altLang="ko-KR" dirty="0"/>
+          </a:p>
+        </p:txBody>
+      </p:sp>
+      <p:sp>
+        <p:nvSpPr>
+          <p:cNvPr id="4" name="슬라이드 번호 개체 틀 3"/>
+          <p:cNvSpPr>
+            <a:spLocks noGrp="1"/>
+          </p:cNvSpPr>
+          <p:nvPr>
+            <p:ph type="sldNum" sz="quarter" idx="5"/>
+          </p:nvPr>
+        </p:nvSpPr>
+        <p:spPr/>
+        <p:txBody>
+          <a:bodyPr/>
+          <a:lstStyle/>
+          <a:p>
+            <a:fld id="{4F243B46-72FF-4656-838A-691B9EB329E3}" type="slidenum">
+              <a:rPr lang="ko-KR" altLang="en-US" smtClean="0"/>
+              <a:t>4</a:t>
+            </a:fld>
+            <a:endParaRPr lang="ko-KR" altLang="en-US"/>
+          </a:p>
+        </p:txBody>
+      </p:sp>
+    </p:spTree>
+    <p:extLst>
+      <p:ext uri="{BB962C8B-B14F-4D97-AF65-F5344CB8AC3E}">
+        <p14:creationId xmlns:p14="http://schemas.microsoft.com/office/powerpoint/2010/main" val="4247962222"/>
       </p:ext>
     </p:extLst>
   </p:cSld>
@@ -3872,6 +3974,467 @@
       </p:par>
     </p:tnLst>
   </p:timing>
+</p:sld>
+</file>
+
+<file path=ppt/slides/slide4.xml><?xml version="1.0" encoding="utf-8"?>
+<p:sld xmlns:a="http://schemas.openxmlformats.org/drawingml/2006/main" xmlns:r="http://schemas.openxmlformats.org/officeDocument/2006/relationships" xmlns:p="http://schemas.openxmlformats.org/presentationml/2006/main">
+  <p:cSld>
+    <p:spTree>
+      <p:nvGrpSpPr>
+        <p:cNvPr id="1" name=""/>
+        <p:cNvGrpSpPr/>
+        <p:nvPr/>
+      </p:nvGrpSpPr>
+      <p:grpSpPr>
+        <a:xfrm>
+          <a:off x="0" y="0"/>
+          <a:ext cx="0" cy="0"/>
+          <a:chOff x="0" y="0"/>
+          <a:chExt cx="0" cy="0"/>
+        </a:xfrm>
+      </p:grpSpPr>
+      <p:sp>
+        <p:nvSpPr>
+          <p:cNvPr id="2" name="제목 1">
+            <a:extLst>
+              <a:ext uri="{FF2B5EF4-FFF2-40B4-BE49-F238E27FC236}">
+                <a16:creationId xmlns:a16="http://schemas.microsoft.com/office/drawing/2014/main" id="{D21C1AA9-5E52-3A11-B3B3-447787E29D09}"/>
+              </a:ext>
+            </a:extLst>
+          </p:cNvPr>
+          <p:cNvSpPr>
+            <a:spLocks noGrp="1"/>
+          </p:cNvSpPr>
+          <p:nvPr>
+            <p:ph type="title"/>
+          </p:nvPr>
+        </p:nvSpPr>
+        <p:spPr/>
+        <p:txBody>
+          <a:bodyPr/>
+          <a:lstStyle/>
+          <a:p>
+            <a:r>
+              <a:rPr lang="en-US" altLang="ko-KR" dirty="0"/>
+              <a:t>Virtual Thread </a:t>
+            </a:r>
+            <a:r>
+              <a:rPr lang="ko-KR" altLang="en-US" dirty="0"/>
+              <a:t>성능 비교</a:t>
+            </a:r>
+          </a:p>
+        </p:txBody>
+      </p:sp>
+      <p:sp>
+        <p:nvSpPr>
+          <p:cNvPr id="7" name="Google Shape;209;p30">
+            <a:extLst>
+              <a:ext uri="{FF2B5EF4-FFF2-40B4-BE49-F238E27FC236}">
+                <a16:creationId xmlns:a16="http://schemas.microsoft.com/office/drawing/2014/main" id="{35F3E219-4EBB-8DE8-0966-E4317399395E}"/>
+              </a:ext>
+            </a:extLst>
+          </p:cNvPr>
+          <p:cNvSpPr/>
+          <p:nvPr/>
+        </p:nvSpPr>
+        <p:spPr>
+          <a:xfrm>
+            <a:off x="7811013" y="528014"/>
+            <a:ext cx="952500" cy="298200"/>
+          </a:xfrm>
+          <a:prstGeom prst="rect">
+            <a:avLst/>
+          </a:prstGeom>
+          <a:noFill/>
+          <a:ln>
+            <a:noFill/>
+          </a:ln>
+        </p:spPr>
+        <p:txBody>
+          <a:bodyPr spcFirstLastPara="1" wrap="square" lIns="19050" tIns="19050" rIns="19050" bIns="19050" anchor="t" anchorCtr="0">
+            <a:noAutofit/>
+          </a:bodyPr>
+          <a:lstStyle/>
+          <a:p>
+            <a:pPr marL="63500" marR="0" lvl="1" indent="0" algn="l" rtl="0">
+              <a:lnSpc>
+                <a:spcPct val="90000"/>
+              </a:lnSpc>
+              <a:spcBef>
+                <a:spcPts val="0"/>
+              </a:spcBef>
+              <a:spcAft>
+                <a:spcPts val="0"/>
+              </a:spcAft>
+              <a:buNone/>
+            </a:pPr>
+            <a:r>
+              <a:rPr lang="en-US" altLang="ko" sz="1200" b="1" dirty="0">
+                <a:solidFill>
+                  <a:schemeClr val="bg1"/>
+                </a:solidFill>
+                <a:latin typeface="Arial"/>
+                <a:ea typeface="Arial"/>
+                <a:cs typeface="Arial"/>
+                <a:sym typeface="Arial"/>
+              </a:rPr>
+              <a:t>1</a:t>
+            </a:r>
+            <a:r>
+              <a:rPr lang="ko" sz="1200" b="1" i="0" u="none" strike="noStrike" cap="none" dirty="0">
+                <a:solidFill>
+                  <a:schemeClr val="bg1"/>
+                </a:solidFill>
+                <a:latin typeface="Arial"/>
+                <a:ea typeface="Arial"/>
+                <a:cs typeface="Arial"/>
+                <a:sym typeface="Arial"/>
+              </a:rPr>
+              <a:t>.</a:t>
+            </a:r>
+            <a:endParaRPr sz="500" dirty="0">
+              <a:solidFill>
+                <a:schemeClr val="bg1"/>
+              </a:solidFill>
+            </a:endParaRPr>
+          </a:p>
+        </p:txBody>
+      </p:sp>
+      <p:sp>
+        <p:nvSpPr>
+          <p:cNvPr id="8" name="Google Shape;210;p30">
+            <a:extLst>
+              <a:ext uri="{FF2B5EF4-FFF2-40B4-BE49-F238E27FC236}">
+                <a16:creationId xmlns:a16="http://schemas.microsoft.com/office/drawing/2014/main" id="{8CB63A74-B5C7-DCAA-53F5-96E44004D694}"/>
+              </a:ext>
+            </a:extLst>
+          </p:cNvPr>
+          <p:cNvSpPr/>
+          <p:nvPr/>
+        </p:nvSpPr>
+        <p:spPr>
+          <a:xfrm>
+            <a:off x="7811013" y="825047"/>
+            <a:ext cx="952500" cy="293400"/>
+          </a:xfrm>
+          <a:prstGeom prst="rect">
+            <a:avLst/>
+          </a:prstGeom>
+          <a:noFill/>
+          <a:ln>
+            <a:noFill/>
+          </a:ln>
+        </p:spPr>
+        <p:txBody>
+          <a:bodyPr spcFirstLastPara="1" wrap="square" lIns="19050" tIns="19050" rIns="19050" bIns="19050" anchor="t" anchorCtr="0">
+            <a:noAutofit/>
+          </a:bodyPr>
+          <a:lstStyle/>
+          <a:p>
+            <a:pPr marL="63500" marR="0" lvl="1" indent="0" algn="l" rtl="0">
+              <a:spcBef>
+                <a:spcPts val="200"/>
+              </a:spcBef>
+              <a:spcAft>
+                <a:spcPts val="0"/>
+              </a:spcAft>
+              <a:buClr>
+                <a:srgbClr val="000000"/>
+              </a:buClr>
+              <a:buFont typeface="Arial"/>
+              <a:buNone/>
+            </a:pPr>
+            <a:r>
+              <a:rPr lang="ko-KR" altLang="en-US" sz="800" dirty="0">
+                <a:solidFill>
+                  <a:schemeClr val="bg1"/>
+                </a:solidFill>
+              </a:rPr>
+              <a:t>과정 마무리</a:t>
+            </a:r>
+          </a:p>
+        </p:txBody>
+      </p:sp>
+      <p:pic>
+        <p:nvPicPr>
+          <p:cNvPr id="9" name="그림 8" descr="스크린샷, 라인, 평행, 도표이(가) 표시된 사진&#10;&#10;자동 생성된 설명">
+            <a:extLst>
+              <a:ext uri="{FF2B5EF4-FFF2-40B4-BE49-F238E27FC236}">
+                <a16:creationId xmlns:a16="http://schemas.microsoft.com/office/drawing/2014/main" id="{67AE440F-3CB2-C71B-5B8D-1CCE53215E1D}"/>
+              </a:ext>
+            </a:extLst>
+          </p:cNvPr>
+          <p:cNvPicPr>
+            <a:picLocks noChangeAspect="1"/>
+          </p:cNvPicPr>
+          <p:nvPr/>
+        </p:nvPicPr>
+        <p:blipFill rotWithShape="1">
+          <a:blip r:embed="rId3">
+            <a:extLst>
+              <a:ext uri="{28A0092B-C50C-407E-A947-70E740481C1C}">
+                <a14:useLocalDpi xmlns:a14="http://schemas.microsoft.com/office/drawing/2010/main" val="0"/>
+              </a:ext>
+            </a:extLst>
+          </a:blip>
+          <a:srcRect r="2191" b="35144"/>
+          <a:stretch/>
+        </p:blipFill>
+        <p:spPr>
+          <a:xfrm>
+            <a:off x="628650" y="1608669"/>
+            <a:ext cx="8067418" cy="3335867"/>
+          </a:xfrm>
+          <a:prstGeom prst="rect">
+            <a:avLst/>
+          </a:prstGeom>
+        </p:spPr>
+      </p:pic>
+      <p:sp>
+        <p:nvSpPr>
+          <p:cNvPr id="10" name="사각형: 둥근 모서리 9">
+            <a:extLst>
+              <a:ext uri="{FF2B5EF4-FFF2-40B4-BE49-F238E27FC236}">
+                <a16:creationId xmlns:a16="http://schemas.microsoft.com/office/drawing/2014/main" id="{4041F8FF-CEFB-3289-FE0D-7B0047F11276}"/>
+              </a:ext>
+            </a:extLst>
+          </p:cNvPr>
+          <p:cNvSpPr/>
+          <p:nvPr/>
+        </p:nvSpPr>
+        <p:spPr>
+          <a:xfrm>
+            <a:off x="973667" y="1490133"/>
+            <a:ext cx="3750733" cy="3572934"/>
+          </a:xfrm>
+          <a:prstGeom prst="roundRect">
+            <a:avLst>
+              <a:gd name="adj" fmla="val 1601"/>
+            </a:avLst>
+          </a:prstGeom>
+          <a:noFill/>
+          <a:ln w="28575">
+            <a:solidFill>
+              <a:srgbClr val="FF0000"/>
+            </a:solidFill>
+          </a:ln>
+          <a:effectLst>
+            <a:glow rad="63500">
+              <a:schemeClr val="accent2">
+                <a:satMod val="175000"/>
+                <a:alpha val="40000"/>
+              </a:schemeClr>
+            </a:glow>
+          </a:effectLst>
+        </p:spPr>
+        <p:style>
+          <a:lnRef idx="2">
+            <a:schemeClr val="accent1">
+              <a:shade val="15000"/>
+            </a:schemeClr>
+          </a:lnRef>
+          <a:fillRef idx="1">
+            <a:schemeClr val="accent1"/>
+          </a:fillRef>
+          <a:effectRef idx="0">
+            <a:schemeClr val="accent1"/>
+          </a:effectRef>
+          <a:fontRef idx="minor">
+            <a:schemeClr val="lt1"/>
+          </a:fontRef>
+        </p:style>
+        <p:txBody>
+          <a:bodyPr rtlCol="0" anchor="ctr"/>
+          <a:lstStyle/>
+          <a:p>
+            <a:pPr algn="ctr"/>
+            <a:endParaRPr lang="ko-KR" altLang="en-US"/>
+          </a:p>
+        </p:txBody>
+      </p:sp>
+      <p:sp>
+        <p:nvSpPr>
+          <p:cNvPr id="11" name="사각형: 둥근 모서리 10">
+            <a:extLst>
+              <a:ext uri="{FF2B5EF4-FFF2-40B4-BE49-F238E27FC236}">
+                <a16:creationId xmlns:a16="http://schemas.microsoft.com/office/drawing/2014/main" id="{465C9327-2586-D6FC-8C62-20A9CA27D1FD}"/>
+              </a:ext>
+            </a:extLst>
+          </p:cNvPr>
+          <p:cNvSpPr/>
+          <p:nvPr/>
+        </p:nvSpPr>
+        <p:spPr>
+          <a:xfrm>
+            <a:off x="4860665" y="1490133"/>
+            <a:ext cx="3750733" cy="3572934"/>
+          </a:xfrm>
+          <a:prstGeom prst="roundRect">
+            <a:avLst>
+              <a:gd name="adj" fmla="val 1601"/>
+            </a:avLst>
+          </a:prstGeom>
+          <a:noFill/>
+          <a:ln w="28575">
+            <a:solidFill>
+              <a:srgbClr val="0033CC"/>
+            </a:solidFill>
+          </a:ln>
+          <a:effectLst>
+            <a:glow rad="63500">
+              <a:schemeClr val="accent6">
+                <a:satMod val="175000"/>
+                <a:alpha val="40000"/>
+              </a:schemeClr>
+            </a:glow>
+          </a:effectLst>
+        </p:spPr>
+        <p:style>
+          <a:lnRef idx="2">
+            <a:schemeClr val="accent1">
+              <a:shade val="15000"/>
+            </a:schemeClr>
+          </a:lnRef>
+          <a:fillRef idx="1">
+            <a:schemeClr val="accent1"/>
+          </a:fillRef>
+          <a:effectRef idx="0">
+            <a:schemeClr val="accent1"/>
+          </a:effectRef>
+          <a:fontRef idx="minor">
+            <a:schemeClr val="lt1"/>
+          </a:fontRef>
+        </p:style>
+        <p:txBody>
+          <a:bodyPr rtlCol="0" anchor="ctr"/>
+          <a:lstStyle/>
+          <a:p>
+            <a:pPr algn="ctr"/>
+            <a:endParaRPr lang="ko-KR" altLang="en-US"/>
+          </a:p>
+        </p:txBody>
+      </p:sp>
+      <p:sp>
+        <p:nvSpPr>
+          <p:cNvPr id="12" name="TextBox 11">
+            <a:extLst>
+              <a:ext uri="{FF2B5EF4-FFF2-40B4-BE49-F238E27FC236}">
+                <a16:creationId xmlns:a16="http://schemas.microsoft.com/office/drawing/2014/main" id="{00361427-D9C9-C6F2-A7BD-E6CC3F5A855A}"/>
+              </a:ext>
+            </a:extLst>
+          </p:cNvPr>
+          <p:cNvSpPr txBox="1"/>
+          <p:nvPr/>
+        </p:nvSpPr>
+        <p:spPr>
+          <a:xfrm>
+            <a:off x="973667" y="1153866"/>
+            <a:ext cx="1478290" cy="276999"/>
+          </a:xfrm>
+          <a:prstGeom prst="rect">
+            <a:avLst/>
+          </a:prstGeom>
+          <a:noFill/>
+        </p:spPr>
+        <p:txBody>
+          <a:bodyPr wrap="none" rtlCol="0">
+            <a:spAutoFit/>
+          </a:bodyPr>
+          <a:lstStyle/>
+          <a:p>
+            <a:r>
+              <a:rPr lang="en-US" altLang="ko-KR" sz="1200" dirty="0">
+                <a:latin typeface="Spoqa Han Sans Neo" panose="020B0500000000000000" pitchFamily="34" charset="-127"/>
+                <a:ea typeface="Spoqa Han Sans Neo" panose="020B0500000000000000" pitchFamily="34" charset="-127"/>
+              </a:rPr>
+              <a:t>virtual-thread : </a:t>
+            </a:r>
+            <a:r>
+              <a:rPr lang="en-US" altLang="ko-KR" sz="1200" b="1" dirty="0">
+                <a:solidFill>
+                  <a:srgbClr val="FF0000"/>
+                </a:solidFill>
+                <a:latin typeface="Spoqa Han Sans Neo" panose="020B0500000000000000" pitchFamily="34" charset="-127"/>
+                <a:ea typeface="Spoqa Han Sans Neo" panose="020B0500000000000000" pitchFamily="34" charset="-127"/>
+              </a:rPr>
+              <a:t>on</a:t>
+            </a:r>
+            <a:endParaRPr lang="ko-KR" altLang="en-US" sz="1200" b="1" dirty="0">
+              <a:solidFill>
+                <a:srgbClr val="FF0000"/>
+              </a:solidFill>
+              <a:latin typeface="Spoqa Han Sans Neo" panose="020B0500000000000000" pitchFamily="34" charset="-127"/>
+              <a:ea typeface="Spoqa Han Sans Neo" panose="020B0500000000000000" pitchFamily="34" charset="-127"/>
+            </a:endParaRPr>
+          </a:p>
+        </p:txBody>
+      </p:sp>
+      <p:sp>
+        <p:nvSpPr>
+          <p:cNvPr id="13" name="TextBox 12">
+            <a:extLst>
+              <a:ext uri="{FF2B5EF4-FFF2-40B4-BE49-F238E27FC236}">
+                <a16:creationId xmlns:a16="http://schemas.microsoft.com/office/drawing/2014/main" id="{1B45E080-2E6D-4966-FBBA-F0439A4E6831}"/>
+              </a:ext>
+            </a:extLst>
+          </p:cNvPr>
+          <p:cNvSpPr txBox="1"/>
+          <p:nvPr/>
+        </p:nvSpPr>
+        <p:spPr>
+          <a:xfrm>
+            <a:off x="4890356" y="1143570"/>
+            <a:ext cx="1497526" cy="276999"/>
+          </a:xfrm>
+          <a:prstGeom prst="rect">
+            <a:avLst/>
+          </a:prstGeom>
+          <a:noFill/>
+        </p:spPr>
+        <p:txBody>
+          <a:bodyPr wrap="none" rtlCol="0">
+            <a:spAutoFit/>
+          </a:bodyPr>
+          <a:lstStyle/>
+          <a:p>
+            <a:r>
+              <a:rPr lang="en-US" altLang="ko-KR" sz="1200" dirty="0">
+                <a:latin typeface="Spoqa Han Sans Neo" panose="020B0500000000000000" pitchFamily="34" charset="-127"/>
+                <a:ea typeface="Spoqa Han Sans Neo" panose="020B0500000000000000" pitchFamily="34" charset="-127"/>
+              </a:rPr>
+              <a:t>virtual-thread : </a:t>
+            </a:r>
+            <a:r>
+              <a:rPr lang="en-US" altLang="ko-KR" sz="1200" b="1" dirty="0">
+                <a:solidFill>
+                  <a:srgbClr val="0033CC"/>
+                </a:solidFill>
+                <a:latin typeface="Spoqa Han Sans Neo" panose="020B0500000000000000" pitchFamily="34" charset="-127"/>
+                <a:ea typeface="Spoqa Han Sans Neo" panose="020B0500000000000000" pitchFamily="34" charset="-127"/>
+              </a:rPr>
+              <a:t>off</a:t>
+            </a:r>
+            <a:endParaRPr lang="ko-KR" altLang="en-US" sz="1200" b="1" dirty="0">
+              <a:solidFill>
+                <a:srgbClr val="0033CC"/>
+              </a:solidFill>
+              <a:latin typeface="Spoqa Han Sans Neo" panose="020B0500000000000000" pitchFamily="34" charset="-127"/>
+              <a:ea typeface="Spoqa Han Sans Neo" panose="020B0500000000000000" pitchFamily="34" charset="-127"/>
+            </a:endParaRPr>
+          </a:p>
+        </p:txBody>
+      </p:sp>
+    </p:spTree>
+    <p:extLst>
+      <p:ext uri="{BB962C8B-B14F-4D97-AF65-F5344CB8AC3E}">
+        <p14:creationId xmlns:p14="http://schemas.microsoft.com/office/powerpoint/2010/main" val="175860380"/>
+      </p:ext>
+    </p:extLst>
+  </p:cSld>
+  <p:clrMapOvr>
+    <a:masterClrMapping/>
+  </p:clrMapOvr>
 </p:sld>
 </file>
 

--- a/99.ppt/[Ch4-9. 과정 마무리.pptx
+++ b/99.ppt/[Ch4-9. 과정 마무리.pptx
@@ -5,13 +5,14 @@
     <p:sldMasterId id="2147483665" r:id="rId1"/>
   </p:sldMasterIdLst>
   <p:notesMasterIdLst>
-    <p:notesMasterId r:id="rId6"/>
+    <p:notesMasterId r:id="rId7"/>
   </p:notesMasterIdLst>
   <p:sldIdLst>
     <p:sldId id="364" r:id="rId2"/>
     <p:sldId id="332" r:id="rId3"/>
     <p:sldId id="365" r:id="rId4"/>
     <p:sldId id="366" r:id="rId5"/>
+    <p:sldId id="367" r:id="rId6"/>
   </p:sldIdLst>
   <p:sldSz cx="9144000" cy="5143500" type="screen16x9"/>
   <p:notesSz cx="6858000" cy="9144000"/>
@@ -113,12 +114,12 @@
   <p:extLst>
     <p:ext uri="{EFAFB233-063F-42B5-8137-9DF3F51BA10A}">
       <p15:sldGuideLst xmlns:p15="http://schemas.microsoft.com/office/powerpoint/2012/main">
-        <p15:guide id="1" orient="horz" pos="1257" userDrawn="1">
+        <p15:guide id="1" orient="horz" pos="1008" userDrawn="1">
           <p15:clr>
             <a:srgbClr val="A4A3A4"/>
           </p15:clr>
         </p15:guide>
-        <p15:guide id="2" pos="2880" userDrawn="1">
+        <p15:guide id="2" pos="408" userDrawn="1">
           <p15:clr>
             <a:srgbClr val="A4A3A4"/>
           </p15:clr>
@@ -214,7 +215,7 @@
           <a:p>
             <a:fld id="{9B770909-2C76-4DF9-BB76-4EE283593418}" type="datetimeFigureOut">
               <a:rPr lang="ko-KR" altLang="en-US" smtClean="0"/>
-              <a:t>2023-11-02</a:t>
+              <a:t>2023-11-03</a:t>
             </a:fld>
             <a:endParaRPr lang="ko-KR" altLang="en-US"/>
           </a:p>
@@ -859,6 +860,107 @@
     <p:extLst>
       <p:ext uri="{BB962C8B-B14F-4D97-AF65-F5344CB8AC3E}">
         <p14:creationId xmlns:p14="http://schemas.microsoft.com/office/powerpoint/2010/main" val="4247962222"/>
+      </p:ext>
+    </p:extLst>
+  </p:cSld>
+  <p:clrMapOvr>
+    <a:masterClrMapping/>
+  </p:clrMapOvr>
+</p:notes>
+</file>
+
+<file path=ppt/notesSlides/notesSlide5.xml><?xml version="1.0" encoding="utf-8"?>
+<p:notes xmlns:a="http://schemas.openxmlformats.org/drawingml/2006/main" xmlns:r="http://schemas.openxmlformats.org/officeDocument/2006/relationships" xmlns:p="http://schemas.openxmlformats.org/presentationml/2006/main">
+  <p:cSld>
+    <p:spTree>
+      <p:nvGrpSpPr>
+        <p:cNvPr id="1" name=""/>
+        <p:cNvGrpSpPr/>
+        <p:nvPr/>
+      </p:nvGrpSpPr>
+      <p:grpSpPr>
+        <a:xfrm>
+          <a:off x="0" y="0"/>
+          <a:ext cx="0" cy="0"/>
+          <a:chOff x="0" y="0"/>
+          <a:chExt cx="0" cy="0"/>
+        </a:xfrm>
+      </p:grpSpPr>
+      <p:sp>
+        <p:nvSpPr>
+          <p:cNvPr id="2" name="슬라이드 이미지 개체 틀 1"/>
+          <p:cNvSpPr>
+            <a:spLocks noGrp="1" noRot="1" noChangeAspect="1"/>
+          </p:cNvSpPr>
+          <p:nvPr>
+            <p:ph type="sldImg"/>
+          </p:nvPr>
+        </p:nvSpPr>
+        <p:spPr/>
+      </p:sp>
+      <p:sp>
+        <p:nvSpPr>
+          <p:cNvPr id="3" name="슬라이드 노트 개체 틀 2"/>
+          <p:cNvSpPr>
+            <a:spLocks noGrp="1"/>
+          </p:cNvSpPr>
+          <p:nvPr>
+            <p:ph type="body" idx="1"/>
+          </p:nvPr>
+        </p:nvSpPr>
+        <p:spPr/>
+        <p:txBody>
+          <a:bodyPr/>
+          <a:lstStyle/>
+          <a:p>
+            <a:pPr marL="0" marR="0" lvl="0" indent="0" algn="l" defTabSz="685800" rtl="0" eaLnBrk="1" fontAlgn="auto" latinLnBrk="1" hangingPunct="1">
+              <a:lnSpc>
+                <a:spcPct val="100000"/>
+              </a:lnSpc>
+              <a:spcBef>
+                <a:spcPts val="0"/>
+              </a:spcBef>
+              <a:spcAft>
+                <a:spcPts val="0"/>
+              </a:spcAft>
+              <a:buClrTx/>
+              <a:buSzTx/>
+              <a:buFontTx/>
+              <a:buNone/>
+              <a:tabLst/>
+              <a:defRPr/>
+            </a:pPr>
+            <a:endParaRPr lang="en-US" altLang="ko-KR" dirty="0"/>
+          </a:p>
+        </p:txBody>
+      </p:sp>
+      <p:sp>
+        <p:nvSpPr>
+          <p:cNvPr id="4" name="슬라이드 번호 개체 틀 3"/>
+          <p:cNvSpPr>
+            <a:spLocks noGrp="1"/>
+          </p:cNvSpPr>
+          <p:nvPr>
+            <p:ph type="sldNum" sz="quarter" idx="5"/>
+          </p:nvPr>
+        </p:nvSpPr>
+        <p:spPr/>
+        <p:txBody>
+          <a:bodyPr/>
+          <a:lstStyle/>
+          <a:p>
+            <a:fld id="{4F243B46-72FF-4656-838A-691B9EB329E3}" type="slidenum">
+              <a:rPr lang="ko-KR" altLang="en-US" smtClean="0"/>
+              <a:t>5</a:t>
+            </a:fld>
+            <a:endParaRPr lang="ko-KR" altLang="en-US"/>
+          </a:p>
+        </p:txBody>
+      </p:sp>
+    </p:spTree>
+    <p:extLst>
+      <p:ext uri="{BB962C8B-B14F-4D97-AF65-F5344CB8AC3E}">
+        <p14:creationId xmlns:p14="http://schemas.microsoft.com/office/powerpoint/2010/main" val="350826615"/>
       </p:ext>
     </p:extLst>
   </p:cSld>
@@ -4021,8 +4123,21 @@
             </a:r>
             <a:r>
               <a:rPr lang="ko-KR" altLang="en-US" dirty="0"/>
-              <a:t>성능 비교</a:t>
-            </a:r>
+              <a:t>성능 비교 </a:t>
+            </a:r>
+            <a:r>
+              <a:rPr lang="en-US" altLang="ko-KR" dirty="0"/>
+              <a:t>(</a:t>
+            </a:r>
+            <a:r>
+              <a:rPr lang="ko-KR" altLang="en-US" dirty="0" err="1"/>
+              <a:t>단건</a:t>
+            </a:r>
+            <a:r>
+              <a:rPr lang="en-US" altLang="ko-KR" dirty="0"/>
+              <a:t>)</a:t>
+            </a:r>
+            <a:endParaRPr lang="ko-KR" altLang="en-US" dirty="0"/>
           </a:p>
         </p:txBody>
       </p:sp>
@@ -4429,6 +4544,487 @@
     <p:extLst>
       <p:ext uri="{BB962C8B-B14F-4D97-AF65-F5344CB8AC3E}">
         <p14:creationId xmlns:p14="http://schemas.microsoft.com/office/powerpoint/2010/main" val="175860380"/>
+      </p:ext>
+    </p:extLst>
+  </p:cSld>
+  <p:clrMapOvr>
+    <a:masterClrMapping/>
+  </p:clrMapOvr>
+</p:sld>
+</file>
+
+<file path=ppt/slides/slide5.xml><?xml version="1.0" encoding="utf-8"?>
+<p:sld xmlns:a="http://schemas.openxmlformats.org/drawingml/2006/main" xmlns:r="http://schemas.openxmlformats.org/officeDocument/2006/relationships" xmlns:p="http://schemas.openxmlformats.org/presentationml/2006/main">
+  <p:cSld>
+    <p:spTree>
+      <p:nvGrpSpPr>
+        <p:cNvPr id="1" name=""/>
+        <p:cNvGrpSpPr/>
+        <p:nvPr/>
+      </p:nvGrpSpPr>
+      <p:grpSpPr>
+        <a:xfrm>
+          <a:off x="0" y="0"/>
+          <a:ext cx="0" cy="0"/>
+          <a:chOff x="0" y="0"/>
+          <a:chExt cx="0" cy="0"/>
+        </a:xfrm>
+      </p:grpSpPr>
+      <p:pic>
+        <p:nvPicPr>
+          <p:cNvPr id="4" name="그림 3">
+            <a:extLst>
+              <a:ext uri="{FF2B5EF4-FFF2-40B4-BE49-F238E27FC236}">
+                <a16:creationId xmlns:a16="http://schemas.microsoft.com/office/drawing/2014/main" id="{87FC1984-CECF-2C35-2DF7-6B2E19D01F24}"/>
+              </a:ext>
+            </a:extLst>
+          </p:cNvPr>
+          <p:cNvPicPr>
+            <a:picLocks noChangeAspect="1"/>
+          </p:cNvPicPr>
+          <p:nvPr/>
+        </p:nvPicPr>
+        <p:blipFill>
+          <a:blip r:embed="rId3"/>
+          <a:stretch>
+            <a:fillRect/>
+          </a:stretch>
+        </p:blipFill>
+        <p:spPr>
+          <a:xfrm>
+            <a:off x="668728" y="1594163"/>
+            <a:ext cx="8027990" cy="3358837"/>
+          </a:xfrm>
+          <a:prstGeom prst="rect">
+            <a:avLst/>
+          </a:prstGeom>
+        </p:spPr>
+      </p:pic>
+      <p:sp>
+        <p:nvSpPr>
+          <p:cNvPr id="2" name="제목 1">
+            <a:extLst>
+              <a:ext uri="{FF2B5EF4-FFF2-40B4-BE49-F238E27FC236}">
+                <a16:creationId xmlns:a16="http://schemas.microsoft.com/office/drawing/2014/main" id="{D21C1AA9-5E52-3A11-B3B3-447787E29D09}"/>
+              </a:ext>
+            </a:extLst>
+          </p:cNvPr>
+          <p:cNvSpPr>
+            <a:spLocks noGrp="1"/>
+          </p:cNvSpPr>
+          <p:nvPr>
+            <p:ph type="title"/>
+          </p:nvPr>
+        </p:nvSpPr>
+        <p:spPr/>
+        <p:txBody>
+          <a:bodyPr/>
+          <a:lstStyle/>
+          <a:p>
+            <a:r>
+              <a:rPr lang="en-US" altLang="ko-KR" dirty="0"/>
+              <a:t>Virtual Thread </a:t>
+            </a:r>
+            <a:r>
+              <a:rPr lang="ko-KR" altLang="en-US" dirty="0"/>
+              <a:t>성능 비교 </a:t>
+            </a:r>
+            <a:r>
+              <a:rPr lang="en-US" altLang="ko-KR" dirty="0"/>
+              <a:t>(</a:t>
+            </a:r>
+            <a:r>
+              <a:rPr lang="ko-KR" altLang="en-US" dirty="0" err="1"/>
+              <a:t>단건</a:t>
+            </a:r>
+            <a:r>
+              <a:rPr lang="ko-KR" altLang="en-US" dirty="0"/>
+              <a:t> </a:t>
+            </a:r>
+            <a:r>
+              <a:rPr lang="en-US" altLang="ko-KR" dirty="0"/>
+              <a:t>+ </a:t>
+            </a:r>
+            <a:r>
+              <a:rPr lang="ko-KR" altLang="en-US" dirty="0" err="1"/>
+              <a:t>다건</a:t>
+            </a:r>
+            <a:r>
+              <a:rPr lang="en-US" altLang="ko-KR" dirty="0"/>
+              <a:t>)</a:t>
+            </a:r>
+            <a:endParaRPr lang="ko-KR" altLang="en-US" dirty="0"/>
+          </a:p>
+        </p:txBody>
+      </p:sp>
+      <p:sp>
+        <p:nvSpPr>
+          <p:cNvPr id="7" name="Google Shape;209;p30">
+            <a:extLst>
+              <a:ext uri="{FF2B5EF4-FFF2-40B4-BE49-F238E27FC236}">
+                <a16:creationId xmlns:a16="http://schemas.microsoft.com/office/drawing/2014/main" id="{35F3E219-4EBB-8DE8-0966-E4317399395E}"/>
+              </a:ext>
+            </a:extLst>
+          </p:cNvPr>
+          <p:cNvSpPr/>
+          <p:nvPr/>
+        </p:nvSpPr>
+        <p:spPr>
+          <a:xfrm>
+            <a:off x="7811013" y="528014"/>
+            <a:ext cx="952500" cy="298200"/>
+          </a:xfrm>
+          <a:prstGeom prst="rect">
+            <a:avLst/>
+          </a:prstGeom>
+          <a:noFill/>
+          <a:ln>
+            <a:noFill/>
+          </a:ln>
+        </p:spPr>
+        <p:txBody>
+          <a:bodyPr spcFirstLastPara="1" wrap="square" lIns="19050" tIns="19050" rIns="19050" bIns="19050" anchor="t" anchorCtr="0">
+            <a:noAutofit/>
+          </a:bodyPr>
+          <a:lstStyle/>
+          <a:p>
+            <a:pPr marL="63500" marR="0" lvl="1" indent="0" algn="l" rtl="0">
+              <a:lnSpc>
+                <a:spcPct val="90000"/>
+              </a:lnSpc>
+              <a:spcBef>
+                <a:spcPts val="0"/>
+              </a:spcBef>
+              <a:spcAft>
+                <a:spcPts val="0"/>
+              </a:spcAft>
+              <a:buNone/>
+            </a:pPr>
+            <a:r>
+              <a:rPr lang="en-US" altLang="ko" sz="1200" b="1" dirty="0">
+                <a:solidFill>
+                  <a:schemeClr val="bg1"/>
+                </a:solidFill>
+                <a:latin typeface="Arial"/>
+                <a:ea typeface="Arial"/>
+                <a:cs typeface="Arial"/>
+                <a:sym typeface="Arial"/>
+              </a:rPr>
+              <a:t>1</a:t>
+            </a:r>
+            <a:r>
+              <a:rPr lang="ko" sz="1200" b="1" i="0" u="none" strike="noStrike" cap="none" dirty="0">
+                <a:solidFill>
+                  <a:schemeClr val="bg1"/>
+                </a:solidFill>
+                <a:latin typeface="Arial"/>
+                <a:ea typeface="Arial"/>
+                <a:cs typeface="Arial"/>
+                <a:sym typeface="Arial"/>
+              </a:rPr>
+              <a:t>.</a:t>
+            </a:r>
+            <a:endParaRPr sz="500" dirty="0">
+              <a:solidFill>
+                <a:schemeClr val="bg1"/>
+              </a:solidFill>
+            </a:endParaRPr>
+          </a:p>
+        </p:txBody>
+      </p:sp>
+      <p:sp>
+        <p:nvSpPr>
+          <p:cNvPr id="8" name="Google Shape;210;p30">
+            <a:extLst>
+              <a:ext uri="{FF2B5EF4-FFF2-40B4-BE49-F238E27FC236}">
+                <a16:creationId xmlns:a16="http://schemas.microsoft.com/office/drawing/2014/main" id="{8CB63A74-B5C7-DCAA-53F5-96E44004D694}"/>
+              </a:ext>
+            </a:extLst>
+          </p:cNvPr>
+          <p:cNvSpPr/>
+          <p:nvPr/>
+        </p:nvSpPr>
+        <p:spPr>
+          <a:xfrm>
+            <a:off x="7811013" y="825047"/>
+            <a:ext cx="952500" cy="293400"/>
+          </a:xfrm>
+          <a:prstGeom prst="rect">
+            <a:avLst/>
+          </a:prstGeom>
+          <a:noFill/>
+          <a:ln>
+            <a:noFill/>
+          </a:ln>
+        </p:spPr>
+        <p:txBody>
+          <a:bodyPr spcFirstLastPara="1" wrap="square" lIns="19050" tIns="19050" rIns="19050" bIns="19050" anchor="t" anchorCtr="0">
+            <a:noAutofit/>
+          </a:bodyPr>
+          <a:lstStyle/>
+          <a:p>
+            <a:pPr marL="63500" marR="0" lvl="1" indent="0" algn="l" rtl="0">
+              <a:spcBef>
+                <a:spcPts val="200"/>
+              </a:spcBef>
+              <a:spcAft>
+                <a:spcPts val="0"/>
+              </a:spcAft>
+              <a:buClr>
+                <a:srgbClr val="000000"/>
+              </a:buClr>
+              <a:buFont typeface="Arial"/>
+              <a:buNone/>
+            </a:pPr>
+            <a:r>
+              <a:rPr lang="ko-KR" altLang="en-US" sz="800" dirty="0">
+                <a:solidFill>
+                  <a:schemeClr val="bg1"/>
+                </a:solidFill>
+              </a:rPr>
+              <a:t>과정 마무리</a:t>
+            </a:r>
+          </a:p>
+        </p:txBody>
+      </p:sp>
+      <p:sp>
+        <p:nvSpPr>
+          <p:cNvPr id="10" name="사각형: 둥근 모서리 9">
+            <a:extLst>
+              <a:ext uri="{FF2B5EF4-FFF2-40B4-BE49-F238E27FC236}">
+                <a16:creationId xmlns:a16="http://schemas.microsoft.com/office/drawing/2014/main" id="{4041F8FF-CEFB-3289-FE0D-7B0047F11276}"/>
+              </a:ext>
+            </a:extLst>
+          </p:cNvPr>
+          <p:cNvSpPr/>
+          <p:nvPr/>
+        </p:nvSpPr>
+        <p:spPr>
+          <a:xfrm>
+            <a:off x="973667" y="1490133"/>
+            <a:ext cx="3750733" cy="3572934"/>
+          </a:xfrm>
+          <a:prstGeom prst="roundRect">
+            <a:avLst>
+              <a:gd name="adj" fmla="val 1601"/>
+            </a:avLst>
+          </a:prstGeom>
+          <a:noFill/>
+          <a:ln w="28575">
+            <a:solidFill>
+              <a:srgbClr val="FF0000"/>
+            </a:solidFill>
+          </a:ln>
+          <a:effectLst>
+            <a:glow rad="63500">
+              <a:schemeClr val="accent2">
+                <a:satMod val="175000"/>
+                <a:alpha val="40000"/>
+              </a:schemeClr>
+            </a:glow>
+          </a:effectLst>
+        </p:spPr>
+        <p:style>
+          <a:lnRef idx="2">
+            <a:schemeClr val="accent1">
+              <a:shade val="15000"/>
+            </a:schemeClr>
+          </a:lnRef>
+          <a:fillRef idx="1">
+            <a:schemeClr val="accent1"/>
+          </a:fillRef>
+          <a:effectRef idx="0">
+            <a:schemeClr val="accent1"/>
+          </a:effectRef>
+          <a:fontRef idx="minor">
+            <a:schemeClr val="lt1"/>
+          </a:fontRef>
+        </p:style>
+        <p:txBody>
+          <a:bodyPr rtlCol="0" anchor="ctr"/>
+          <a:lstStyle/>
+          <a:p>
+            <a:pPr algn="ctr"/>
+            <a:endParaRPr lang="ko-KR" altLang="en-US"/>
+          </a:p>
+        </p:txBody>
+      </p:sp>
+      <p:sp>
+        <p:nvSpPr>
+          <p:cNvPr id="11" name="사각형: 둥근 모서리 10">
+            <a:extLst>
+              <a:ext uri="{FF2B5EF4-FFF2-40B4-BE49-F238E27FC236}">
+                <a16:creationId xmlns:a16="http://schemas.microsoft.com/office/drawing/2014/main" id="{465C9327-2586-D6FC-8C62-20A9CA27D1FD}"/>
+              </a:ext>
+            </a:extLst>
+          </p:cNvPr>
+          <p:cNvSpPr/>
+          <p:nvPr/>
+        </p:nvSpPr>
+        <p:spPr>
+          <a:xfrm>
+            <a:off x="4860665" y="1490133"/>
+            <a:ext cx="3750733" cy="3572934"/>
+          </a:xfrm>
+          <a:prstGeom prst="roundRect">
+            <a:avLst>
+              <a:gd name="adj" fmla="val 1601"/>
+            </a:avLst>
+          </a:prstGeom>
+          <a:noFill/>
+          <a:ln w="28575">
+            <a:solidFill>
+              <a:srgbClr val="0033CC"/>
+            </a:solidFill>
+          </a:ln>
+          <a:effectLst>
+            <a:glow rad="63500">
+              <a:schemeClr val="accent6">
+                <a:satMod val="175000"/>
+                <a:alpha val="40000"/>
+              </a:schemeClr>
+            </a:glow>
+          </a:effectLst>
+        </p:spPr>
+        <p:style>
+          <a:lnRef idx="2">
+            <a:schemeClr val="accent1">
+              <a:shade val="15000"/>
+            </a:schemeClr>
+          </a:lnRef>
+          <a:fillRef idx="1">
+            <a:schemeClr val="accent1"/>
+          </a:fillRef>
+          <a:effectRef idx="0">
+            <a:schemeClr val="accent1"/>
+          </a:effectRef>
+          <a:fontRef idx="minor">
+            <a:schemeClr val="lt1"/>
+          </a:fontRef>
+        </p:style>
+        <p:txBody>
+          <a:bodyPr rtlCol="0" anchor="ctr"/>
+          <a:lstStyle/>
+          <a:p>
+            <a:pPr algn="ctr"/>
+            <a:endParaRPr lang="ko-KR" altLang="en-US"/>
+          </a:p>
+        </p:txBody>
+      </p:sp>
+      <p:sp>
+        <p:nvSpPr>
+          <p:cNvPr id="12" name="TextBox 11">
+            <a:extLst>
+              <a:ext uri="{FF2B5EF4-FFF2-40B4-BE49-F238E27FC236}">
+                <a16:creationId xmlns:a16="http://schemas.microsoft.com/office/drawing/2014/main" id="{00361427-D9C9-C6F2-A7BD-E6CC3F5A855A}"/>
+              </a:ext>
+            </a:extLst>
+          </p:cNvPr>
+          <p:cNvSpPr txBox="1"/>
+          <p:nvPr/>
+        </p:nvSpPr>
+        <p:spPr>
+          <a:xfrm>
+            <a:off x="973667" y="1153866"/>
+            <a:ext cx="1478290" cy="276999"/>
+          </a:xfrm>
+          <a:prstGeom prst="rect">
+            <a:avLst/>
+          </a:prstGeom>
+          <a:noFill/>
+        </p:spPr>
+        <p:txBody>
+          <a:bodyPr wrap="none" rtlCol="0">
+            <a:spAutoFit/>
+          </a:bodyPr>
+          <a:lstStyle/>
+          <a:p>
+            <a:r>
+              <a:rPr lang="en-US" altLang="ko-KR" sz="1200" dirty="0">
+                <a:latin typeface="Spoqa Han Sans Neo" panose="020B0500000000000000" pitchFamily="34" charset="-127"/>
+                <a:ea typeface="Spoqa Han Sans Neo" panose="020B0500000000000000" pitchFamily="34" charset="-127"/>
+              </a:rPr>
+              <a:t>virtual-thread : </a:t>
+            </a:r>
+            <a:r>
+              <a:rPr lang="en-US" altLang="ko-KR" sz="1200" b="1" dirty="0">
+                <a:solidFill>
+                  <a:srgbClr val="FF0000"/>
+                </a:solidFill>
+                <a:latin typeface="Spoqa Han Sans Neo" panose="020B0500000000000000" pitchFamily="34" charset="-127"/>
+                <a:ea typeface="Spoqa Han Sans Neo" panose="020B0500000000000000" pitchFamily="34" charset="-127"/>
+              </a:rPr>
+              <a:t>on</a:t>
+            </a:r>
+            <a:endParaRPr lang="ko-KR" altLang="en-US" sz="1200" b="1" dirty="0">
+              <a:solidFill>
+                <a:srgbClr val="FF0000"/>
+              </a:solidFill>
+              <a:latin typeface="Spoqa Han Sans Neo" panose="020B0500000000000000" pitchFamily="34" charset="-127"/>
+              <a:ea typeface="Spoqa Han Sans Neo" panose="020B0500000000000000" pitchFamily="34" charset="-127"/>
+            </a:endParaRPr>
+          </a:p>
+        </p:txBody>
+      </p:sp>
+      <p:sp>
+        <p:nvSpPr>
+          <p:cNvPr id="13" name="TextBox 12">
+            <a:extLst>
+              <a:ext uri="{FF2B5EF4-FFF2-40B4-BE49-F238E27FC236}">
+                <a16:creationId xmlns:a16="http://schemas.microsoft.com/office/drawing/2014/main" id="{1B45E080-2E6D-4966-FBBA-F0439A4E6831}"/>
+              </a:ext>
+            </a:extLst>
+          </p:cNvPr>
+          <p:cNvSpPr txBox="1"/>
+          <p:nvPr/>
+        </p:nvSpPr>
+        <p:spPr>
+          <a:xfrm>
+            <a:off x="4890356" y="1143570"/>
+            <a:ext cx="1497526" cy="276999"/>
+          </a:xfrm>
+          <a:prstGeom prst="rect">
+            <a:avLst/>
+          </a:prstGeom>
+          <a:noFill/>
+        </p:spPr>
+        <p:txBody>
+          <a:bodyPr wrap="none" rtlCol="0">
+            <a:spAutoFit/>
+          </a:bodyPr>
+          <a:lstStyle/>
+          <a:p>
+            <a:r>
+              <a:rPr lang="en-US" altLang="ko-KR" sz="1200" dirty="0">
+                <a:latin typeface="Spoqa Han Sans Neo" panose="020B0500000000000000" pitchFamily="34" charset="-127"/>
+                <a:ea typeface="Spoqa Han Sans Neo" panose="020B0500000000000000" pitchFamily="34" charset="-127"/>
+              </a:rPr>
+              <a:t>virtual-thread : </a:t>
+            </a:r>
+            <a:r>
+              <a:rPr lang="en-US" altLang="ko-KR" sz="1200" b="1" dirty="0">
+                <a:solidFill>
+                  <a:srgbClr val="0033CC"/>
+                </a:solidFill>
+                <a:latin typeface="Spoqa Han Sans Neo" panose="020B0500000000000000" pitchFamily="34" charset="-127"/>
+                <a:ea typeface="Spoqa Han Sans Neo" panose="020B0500000000000000" pitchFamily="34" charset="-127"/>
+              </a:rPr>
+              <a:t>off</a:t>
+            </a:r>
+            <a:endParaRPr lang="ko-KR" altLang="en-US" sz="1200" b="1" dirty="0">
+              <a:solidFill>
+                <a:srgbClr val="0033CC"/>
+              </a:solidFill>
+              <a:latin typeface="Spoqa Han Sans Neo" panose="020B0500000000000000" pitchFamily="34" charset="-127"/>
+              <a:ea typeface="Spoqa Han Sans Neo" panose="020B0500000000000000" pitchFamily="34" charset="-127"/>
+            </a:endParaRPr>
+          </a:p>
+        </p:txBody>
+      </p:sp>
+    </p:spTree>
+    <p:extLst>
+      <p:ext uri="{BB962C8B-B14F-4D97-AF65-F5344CB8AC3E}">
+        <p14:creationId xmlns:p14="http://schemas.microsoft.com/office/powerpoint/2010/main" val="2340748734"/>
       </p:ext>
     </p:extLst>
   </p:cSld>
